--- a/Docs/MediumSeminar/Communication/ppt/Migrant_model_SYSU_v2.pptx
+++ b/Docs/MediumSeminar/Communication/ppt/Migrant_model_SYSU_v2.pptx
@@ -6356,6 +6356,96 @@
           </a:p>
         </p:txBody>
       </p:sp>
+      <p:pic>
+        <p:nvPicPr>
+          <p:cNvPr id="4" name="Picture 3" descr="deltaU1.png"/>
+          <p:cNvPicPr>
+            <a:picLocks noChangeAspect="1"/>
+          </p:cNvPicPr>
+          <p:nvPr/>
+        </p:nvPicPr>
+        <p:blipFill>
+          <a:blip r:embed="rId2">
+            <a:extLst>
+              <a:ext uri="{28A0092B-C50C-407E-A947-70E740481C1C}">
+                <a14:useLocalDpi xmlns:a14="http://schemas.microsoft.com/office/drawing/2010/main" val="0"/>
+              </a:ext>
+            </a:extLst>
+          </a:blip>
+          <a:stretch>
+            <a:fillRect/>
+          </a:stretch>
+        </p:blipFill>
+        <p:spPr>
+          <a:xfrm>
+            <a:off x="539552" y="2060848"/>
+            <a:ext cx="3591357" cy="2383160"/>
+          </a:xfrm>
+          <a:prstGeom prst="rect">
+            <a:avLst/>
+          </a:prstGeom>
+        </p:spPr>
+      </p:pic>
+      <p:pic>
+        <p:nvPicPr>
+          <p:cNvPr id="5" name="Picture 4" descr="indivMigrations.png"/>
+          <p:cNvPicPr>
+            <a:picLocks noChangeAspect="1"/>
+          </p:cNvPicPr>
+          <p:nvPr/>
+        </p:nvPicPr>
+        <p:blipFill>
+          <a:blip r:embed="rId3">
+            <a:extLst>
+              <a:ext uri="{28A0092B-C50C-407E-A947-70E740481C1C}">
+                <a14:useLocalDpi xmlns:a14="http://schemas.microsoft.com/office/drawing/2010/main" val="0"/>
+              </a:ext>
+            </a:extLst>
+          </a:blip>
+          <a:stretch>
+            <a:fillRect/>
+          </a:stretch>
+        </p:blipFill>
+        <p:spPr>
+          <a:xfrm>
+            <a:off x="4932040" y="1988840"/>
+            <a:ext cx="3744416" cy="2246650"/>
+          </a:xfrm>
+          <a:prstGeom prst="rect">
+            <a:avLst/>
+          </a:prstGeom>
+        </p:spPr>
+      </p:pic>
+      <p:pic>
+        <p:nvPicPr>
+          <p:cNvPr id="6" name="Picture 5" descr="wealthGain.png"/>
+          <p:cNvPicPr>
+            <a:picLocks noChangeAspect="1"/>
+          </p:cNvPicPr>
+          <p:nvPr/>
+        </p:nvPicPr>
+        <p:blipFill>
+          <a:blip r:embed="rId4">
+            <a:extLst>
+              <a:ext uri="{28A0092B-C50C-407E-A947-70E740481C1C}">
+                <a14:useLocalDpi xmlns:a14="http://schemas.microsoft.com/office/drawing/2010/main" val="0"/>
+              </a:ext>
+            </a:extLst>
+          </a:blip>
+          <a:stretch>
+            <a:fillRect/>
+          </a:stretch>
+        </p:blipFill>
+        <p:spPr>
+          <a:xfrm>
+            <a:off x="2771800" y="4546848"/>
+            <a:ext cx="3851920" cy="2311152"/>
+          </a:xfrm>
+          <a:prstGeom prst="rect">
+            <a:avLst/>
+          </a:prstGeom>
+        </p:spPr>
+      </p:pic>
     </p:spTree>
     <p:extLst>
       <p:ext uri="{BB962C8B-B14F-4D97-AF65-F5344CB8AC3E}">
@@ -8065,11 +8155,7 @@
             </a:r>
             <a:r>
               <a:rPr lang="en-US" sz="2000" dirty="0" smtClean="0"/>
-              <a:t>model </a:t>
-            </a:r>
-            <a:r>
-              <a:rPr lang="en-US" sz="2000" dirty="0" smtClean="0"/>
-              <a:t>simulates migrants </a:t>
+              <a:t>model simulates migrants </a:t>
             </a:r>
             <a:r>
               <a:rPr lang="en-US" sz="2000" dirty="0"/>
@@ -8463,13 +8549,8 @@
             </a:r>
             <a:r>
               <a:rPr lang="en-US" sz="2000" dirty="0" smtClean="0"/>
-              <a:t> et al., 2015) to discriminate alternative explanations ; High Performance Computing calibration bringing </a:t>
-            </a:r>
-            <a:r>
-              <a:rPr lang="en-US" sz="2000" dirty="0" smtClean="0"/>
-              <a:t>“proofs” in Social Sciences (Schmitt et al., 2014).</a:t>
-            </a:r>
-            <a:endParaRPr lang="en-US" sz="2000" dirty="0" smtClean="0"/>
+              <a:t> et al., 2015) to discriminate alternative explanations ; High Performance Computing calibration bringing “proofs” in Social Sciences (Schmitt et al., 2014).</a:t>
+            </a:r>
           </a:p>
           <a:p>
             <a:pPr marL="0" indent="0" algn="just">
@@ -8677,11 +8758,7 @@
             </a:r>
             <a:r>
               <a:rPr lang="en-US" sz="2400" i="1" dirty="0" smtClean="0"/>
-              <a:t>w </a:t>
-            </a:r>
-            <a:r>
-              <a:rPr lang="en-US" sz="2400" i="1" dirty="0" smtClean="0"/>
-              <a:t>~ g(w)</a:t>
+              <a:t>w ~ g(w)</a:t>
             </a:r>
           </a:p>
           <a:p>
@@ -8913,11 +8990,7 @@
             </a:r>
             <a:r>
               <a:rPr lang="fr-FR" sz="2400" dirty="0" err="1" smtClean="0"/>
-              <a:t>random</a:t>
-            </a:r>
-            <a:r>
-              <a:rPr lang="fr-FR" sz="2400" dirty="0" err="1" smtClean="0"/>
-              <a:t>ly</a:t>
+              <a:t>randomly</a:t>
             </a:r>
             <a:r>
               <a:rPr lang="fr-FR" sz="2400" dirty="0" smtClean="0"/>
